--- a/slide - Hao.pptx
+++ b/slide - Hao.pptx
@@ -5,7 +5,7 @@
     <p:sldMasterId id="2147483660" r:id="rId1"/>
   </p:sldMasterIdLst>
   <p:handoutMasterIdLst>
-    <p:handoutMasterId r:id="rId33"/>
+    <p:handoutMasterId r:id="rId37"/>
   </p:handoutMasterIdLst>
   <p:sldIdLst>
     <p:sldId id="281" r:id="rId2"/>
@@ -38,7 +38,11 @@
     <p:sldId id="316" r:id="rId29"/>
     <p:sldId id="315" r:id="rId30"/>
     <p:sldId id="317" r:id="rId31"/>
-    <p:sldId id="284" r:id="rId32"/>
+    <p:sldId id="320" r:id="rId32"/>
+    <p:sldId id="319" r:id="rId33"/>
+    <p:sldId id="318" r:id="rId34"/>
+    <p:sldId id="321" r:id="rId35"/>
+    <p:sldId id="284" r:id="rId36"/>
   </p:sldIdLst>
   <p:sldSz cx="9144000" cy="6858000" type="screen4x3"/>
   <p:notesSz cx="6858000" cy="9144000"/>
@@ -181,6 +185,9 @@
           </p15:clr>
         </p15:guide>
       </p15:sldGuideLst>
+    </p:ext>
+    <p:ext uri="{2D200454-40CA-4A62-9FC3-DE9A4176ACB9}">
+      <p15:notesGuideLst xmlns:p15="http://schemas.microsoft.com/office/powerpoint/2012/main"/>
     </p:ext>
   </p:extLst>
 </p:presentation>
@@ -12361,7 +12368,7 @@
         </p:nvGraphicFramePr>
         <p:xfrm>
           <a:off x="4608513" y="3068638"/>
-          <a:ext cx="4392612" cy="2224087"/>
+          <a:ext cx="4392612" cy="2222500"/>
         </p:xfrm>
         <a:graphic>
           <a:graphicData uri="http://schemas.openxmlformats.org/drawingml/2006/table">
@@ -16700,7 +16707,7 @@
         </p:nvGraphicFramePr>
         <p:xfrm>
           <a:off x="4608513" y="3068638"/>
-          <a:ext cx="4392612" cy="2224087"/>
+          <a:ext cx="4392612" cy="2222500"/>
         </p:xfrm>
         <a:graphic>
           <a:graphicData uri="http://schemas.openxmlformats.org/drawingml/2006/table">
@@ -20606,7 +20613,7 @@
           <a:lstStyle/>
           <a:p>
             <a:r>
-              <a:rPr lang="en-US">
+              <a:rPr lang="en-US" dirty="0">
                 <a:noFill/>
               </a:rPr>
               <a:t> </a:t>
@@ -23044,20 +23051,26 @@
           <a:p>
             <a:pPr eaLnBrk="1" hangingPunct="1"/>
             <a:r>
-              <a:rPr lang="en-US" altLang="zh-CN">
+              <a:rPr lang="en-US" altLang="zh-CN" dirty="0">
                 <a:ea typeface="宋体" panose="02010600030101010101" pitchFamily="2" charset="-122"/>
               </a:rPr>
               <a:t>172.9469</a:t>
             </a:r>
             <a:r>
-              <a:rPr lang="zh-CN" altLang="en-US"/>
+              <a:rPr lang="zh-CN" altLang="en-US" dirty="0"/>
               <a:t> </a:t>
             </a:r>
             <a:r>
-              <a:rPr lang="en-US" altLang="zh-CN">
+              <a:rPr lang="en-US" altLang="zh-CN" dirty="0" err="1">
                 <a:ea typeface="宋体" panose="02010600030101010101" pitchFamily="2" charset="-122"/>
               </a:rPr>
-              <a:t>lbs </a:t>
+              <a:t>lbs</a:t>
+            </a:r>
+            <a:r>
+              <a:rPr lang="en-US" altLang="zh-CN" dirty="0">
+                <a:ea typeface="宋体" panose="02010600030101010101" pitchFamily="2" charset="-122"/>
+              </a:rPr>
+              <a:t> </a:t>
             </a:r>
           </a:p>
         </p:txBody>
@@ -24209,11 +24222,18 @@
           <a:p>
             <a:pPr eaLnBrk="1" hangingPunct="1"/>
             <a:r>
-              <a:rPr lang="en-US" altLang="zh-CN" sz="2000">
+              <a:rPr lang="en-US" altLang="zh-CN" sz="2000" dirty="0" err="1">
                 <a:latin typeface="Comic Sans MS" panose="030F0702030302020204" pitchFamily="66" charset="0"/>
                 <a:ea typeface="宋体" panose="02010600030101010101" pitchFamily="2" charset="-122"/>
               </a:rPr>
-              <a:t>bmi=weight/(height)^2 </a:t>
+              <a:t>bmi</a:t>
+            </a:r>
+            <a:r>
+              <a:rPr lang="en-US" altLang="zh-CN" sz="2000" dirty="0">
+                <a:latin typeface="Comic Sans MS" panose="030F0702030302020204" pitchFamily="66" charset="0"/>
+                <a:ea typeface="宋体" panose="02010600030101010101" pitchFamily="2" charset="-122"/>
+              </a:rPr>
+              <a:t>=weight/(height)^2 </a:t>
             </a:r>
           </a:p>
         </p:txBody>
@@ -24252,7 +24272,7 @@
           <a:lstStyle/>
           <a:p>
             <a:r>
-              <a:rPr lang="en-US">
+              <a:rPr lang="en-US" dirty="0">
                 <a:noFill/>
               </a:rPr>
               <a:t> </a:t>
@@ -25706,19 +25726,19 @@
           <a:p>
             <a:pPr eaLnBrk="1" hangingPunct="1"/>
             <a:r>
-              <a:rPr lang="en-US" altLang="zh-CN" sz="3200" b="1" u="sng">
+              <a:rPr lang="en-US" altLang="zh-CN" sz="3200" b="1" u="sng" dirty="0">
                 <a:latin typeface="Comic Sans MS" panose="030F0702030302020204" pitchFamily="66" charset="0"/>
               </a:rPr>
               <a:t>Data</a:t>
             </a:r>
             <a:r>
-              <a:rPr lang="zh-CN" altLang="en-US" sz="3200" b="1" u="sng">
+              <a:rPr lang="zh-CN" altLang="en-US" sz="3200" b="1" u="sng" dirty="0">
                 <a:latin typeface="Comic Sans MS" panose="030F0702030302020204" pitchFamily="66" charset="0"/>
               </a:rPr>
               <a:t> </a:t>
             </a:r>
             <a:r>
-              <a:rPr lang="en-US" altLang="zh-CN" sz="3200" b="1" u="sng">
+              <a:rPr lang="en-US" altLang="zh-CN" sz="3200" b="1" u="sng" dirty="0">
                 <a:latin typeface="Comic Sans MS" panose="030F0702030302020204" pitchFamily="66" charset="0"/>
               </a:rPr>
               <a:t>Processing:</a:t>
@@ -25727,12 +25747,12 @@
           <a:p>
             <a:pPr eaLnBrk="1" hangingPunct="1"/>
             <a:r>
-              <a:rPr lang="en-US" altLang="zh-CN" sz="3200" b="1" u="sng">
+              <a:rPr lang="en-US" altLang="zh-CN" sz="3200" b="1" u="sng" dirty="0">
                 <a:latin typeface="Comic Sans MS" panose="030F0702030302020204" pitchFamily="66" charset="0"/>
               </a:rPr>
               <a:t>3. Cook's distance</a:t>
             </a:r>
-            <a:endParaRPr lang="en-US" altLang="zh-CN" sz="3200" b="1" u="sng">
+            <a:endParaRPr lang="en-US" altLang="zh-CN" sz="3200" b="1" u="sng" dirty="0">
               <a:latin typeface="Comic Sans MS" panose="030F0702030302020204" pitchFamily="66" charset="0"/>
               <a:ea typeface="宋体" panose="02010600030101010101" pitchFamily="2" charset="-122"/>
             </a:endParaRPr>
@@ -27076,7 +27096,7 @@
         <p:spPr>
           <a:xfrm>
             <a:off x="971600" y="1880828"/>
-            <a:ext cx="6804756" cy="923330"/>
+            <a:ext cx="6804756" cy="1200329"/>
           </a:xfrm>
           <a:prstGeom prst="rect">
             <a:avLst/>
@@ -27090,7 +27110,7 @@
           <a:lstStyle/>
           <a:p>
             <a:r>
-              <a:rPr lang="en-US" altLang="zh-CN">
+              <a:rPr lang="en-US" altLang="zh-CN" dirty="0">
                 <a:solidFill>
                   <a:srgbClr val="000000"/>
                 </a:solidFill>
@@ -27098,6 +27118,8 @@
               </a:rPr>
               <a:t>Best Subset Selection is based on the generalized model and Cox proportional hazard model and implemented by the primal dual active set algorithm.</a:t>
             </a:r>
+          </a:p>
+          <a:p>
             <a:endParaRPr lang="zh-CN" altLang="en-US" dirty="0">
               <a:solidFill>
                 <a:srgbClr val="000000"/>
@@ -27107,12 +27129,389 @@
           </a:p>
         </p:txBody>
       </p:sp>
+    </p:spTree>
+    <p:extLst>
+      <p:ext uri="{BB962C8B-B14F-4D97-AF65-F5344CB8AC3E}">
+        <p14:creationId xmlns:p14="http://schemas.microsoft.com/office/powerpoint/2010/main" val="3946559677"/>
+      </p:ext>
+    </p:extLst>
+  </p:cSld>
+  <p:clrMapOvr>
+    <a:masterClrMapping/>
+  </p:clrMapOvr>
+  <p:transition/>
+</p:sld>
+</file>
+
+<file path=ppt/slides/slide31.xml><?xml version="1.0" encoding="utf-8"?>
+<p:sld xmlns:a="http://schemas.openxmlformats.org/drawingml/2006/main" xmlns:r="http://schemas.openxmlformats.org/officeDocument/2006/relationships" xmlns:p="http://schemas.openxmlformats.org/presentationml/2006/main">
+  <p:cSld>
+    <p:bg>
+      <p:bgPr>
+        <a:solidFill>
+          <a:schemeClr val="bg1"/>
+        </a:solidFill>
+        <a:effectLst/>
+      </p:bgPr>
+    </p:bg>
+    <p:spTree>
+      <p:nvGrpSpPr>
+        <p:cNvPr id="1" name=""/>
+        <p:cNvGrpSpPr/>
+        <p:nvPr/>
+      </p:nvGrpSpPr>
+      <p:grpSpPr>
+        <a:xfrm>
+          <a:off x="0" y="0"/>
+          <a:ext cx="0" cy="0"/>
+          <a:chOff x="0" y="0"/>
+          <a:chExt cx="0" cy="0"/>
+        </a:xfrm>
+      </p:grpSpPr>
+      <p:sp>
+        <p:nvSpPr>
+          <p:cNvPr id="2" name="Title 1">
+            <a:extLst>
+              <a:ext uri="{FF2B5EF4-FFF2-40B4-BE49-F238E27FC236}">
+                <a16:creationId xmlns:a16="http://schemas.microsoft.com/office/drawing/2014/main" id="{FDB63669-2F4E-4113-8C25-B1A862552093}"/>
+              </a:ext>
+            </a:extLst>
+          </p:cNvPr>
+          <p:cNvSpPr txBox="1">
+            <a:spLocks/>
+          </p:cNvSpPr>
+          <p:nvPr/>
+        </p:nvSpPr>
+        <p:spPr>
+          <a:xfrm>
+            <a:off x="395288" y="260350"/>
+            <a:ext cx="7632700" cy="1189038"/>
+          </a:xfrm>
+          <a:prstGeom prst="rect">
+            <a:avLst/>
+          </a:prstGeom>
+          <a:solidFill>
+            <a:schemeClr val="bg1"/>
+          </a:solidFill>
+          <a:ln w="38100">
+            <a:solidFill>
+              <a:srgbClr val="404040"/>
+            </a:solidFill>
+          </a:ln>
+        </p:spPr>
+        <p:txBody>
+          <a:bodyPr wrap="square" numCol="1" anchor="ctr" anchorCtr="0" compatLnSpc="1">
+            <a:prstTxWarp prst="textNoShape">
+              <a:avLst/>
+            </a:prstTxWarp>
+          </a:bodyPr>
+          <a:lstStyle>
+            <a:lvl1pPr algn="ctr" rtl="0" fontAlgn="base">
+              <a:lnSpc>
+                <a:spcPct val="90000"/>
+              </a:lnSpc>
+              <a:spcBef>
+                <a:spcPct val="0"/>
+              </a:spcBef>
+              <a:spcAft>
+                <a:spcPct val="0"/>
+              </a:spcAft>
+              <a:defRPr sz="2600" kern="1200" cap="all" spc="200">
+                <a:solidFill>
+                  <a:srgbClr val="262626"/>
+                </a:solidFill>
+                <a:latin typeface="+mj-lt"/>
+                <a:ea typeface="+mj-ea"/>
+                <a:cs typeface="+mj-cs"/>
+              </a:defRPr>
+            </a:lvl1pPr>
+            <a:lvl2pPr algn="ctr" rtl="0" fontAlgn="base">
+              <a:lnSpc>
+                <a:spcPct val="90000"/>
+              </a:lnSpc>
+              <a:spcBef>
+                <a:spcPct val="0"/>
+              </a:spcBef>
+              <a:spcAft>
+                <a:spcPct val="0"/>
+              </a:spcAft>
+              <a:defRPr sz="2600">
+                <a:solidFill>
+                  <a:srgbClr val="262626"/>
+                </a:solidFill>
+                <a:latin typeface="Gill Sans MT" panose="020B0502020104020203" pitchFamily="34" charset="0"/>
+              </a:defRPr>
+            </a:lvl2pPr>
+            <a:lvl3pPr algn="ctr" rtl="0" fontAlgn="base">
+              <a:lnSpc>
+                <a:spcPct val="90000"/>
+              </a:lnSpc>
+              <a:spcBef>
+                <a:spcPct val="0"/>
+              </a:spcBef>
+              <a:spcAft>
+                <a:spcPct val="0"/>
+              </a:spcAft>
+              <a:defRPr sz="2600">
+                <a:solidFill>
+                  <a:srgbClr val="262626"/>
+                </a:solidFill>
+                <a:latin typeface="Gill Sans MT" panose="020B0502020104020203" pitchFamily="34" charset="0"/>
+              </a:defRPr>
+            </a:lvl3pPr>
+            <a:lvl4pPr algn="ctr" rtl="0" fontAlgn="base">
+              <a:lnSpc>
+                <a:spcPct val="90000"/>
+              </a:lnSpc>
+              <a:spcBef>
+                <a:spcPct val="0"/>
+              </a:spcBef>
+              <a:spcAft>
+                <a:spcPct val="0"/>
+              </a:spcAft>
+              <a:defRPr sz="2600">
+                <a:solidFill>
+                  <a:srgbClr val="262626"/>
+                </a:solidFill>
+                <a:latin typeface="Gill Sans MT" panose="020B0502020104020203" pitchFamily="34" charset="0"/>
+              </a:defRPr>
+            </a:lvl4pPr>
+            <a:lvl5pPr algn="ctr" rtl="0" fontAlgn="base">
+              <a:lnSpc>
+                <a:spcPct val="90000"/>
+              </a:lnSpc>
+              <a:spcBef>
+                <a:spcPct val="0"/>
+              </a:spcBef>
+              <a:spcAft>
+                <a:spcPct val="0"/>
+              </a:spcAft>
+              <a:defRPr sz="2600">
+                <a:solidFill>
+                  <a:srgbClr val="262626"/>
+                </a:solidFill>
+                <a:latin typeface="Gill Sans MT" panose="020B0502020104020203" pitchFamily="34" charset="0"/>
+              </a:defRPr>
+            </a:lvl5pPr>
+            <a:lvl6pPr marL="457200" algn="ctr" rtl="0" fontAlgn="base">
+              <a:lnSpc>
+                <a:spcPct val="90000"/>
+              </a:lnSpc>
+              <a:spcBef>
+                <a:spcPct val="0"/>
+              </a:spcBef>
+              <a:spcAft>
+                <a:spcPct val="0"/>
+              </a:spcAft>
+              <a:defRPr sz="2600">
+                <a:solidFill>
+                  <a:srgbClr val="262626"/>
+                </a:solidFill>
+                <a:latin typeface="Gill Sans MT" panose="020B0502020104020203" pitchFamily="34" charset="0"/>
+              </a:defRPr>
+            </a:lvl6pPr>
+            <a:lvl7pPr marL="914400" algn="ctr" rtl="0" fontAlgn="base">
+              <a:lnSpc>
+                <a:spcPct val="90000"/>
+              </a:lnSpc>
+              <a:spcBef>
+                <a:spcPct val="0"/>
+              </a:spcBef>
+              <a:spcAft>
+                <a:spcPct val="0"/>
+              </a:spcAft>
+              <a:defRPr sz="2600">
+                <a:solidFill>
+                  <a:srgbClr val="262626"/>
+                </a:solidFill>
+                <a:latin typeface="Gill Sans MT" panose="020B0502020104020203" pitchFamily="34" charset="0"/>
+              </a:defRPr>
+            </a:lvl7pPr>
+            <a:lvl8pPr marL="1371600" algn="ctr" rtl="0" fontAlgn="base">
+              <a:lnSpc>
+                <a:spcPct val="90000"/>
+              </a:lnSpc>
+              <a:spcBef>
+                <a:spcPct val="0"/>
+              </a:spcBef>
+              <a:spcAft>
+                <a:spcPct val="0"/>
+              </a:spcAft>
+              <a:defRPr sz="2600">
+                <a:solidFill>
+                  <a:srgbClr val="262626"/>
+                </a:solidFill>
+                <a:latin typeface="Gill Sans MT" panose="020B0502020104020203" pitchFamily="34" charset="0"/>
+              </a:defRPr>
+            </a:lvl8pPr>
+            <a:lvl9pPr marL="1828800" algn="ctr" rtl="0" fontAlgn="base">
+              <a:lnSpc>
+                <a:spcPct val="90000"/>
+              </a:lnSpc>
+              <a:spcBef>
+                <a:spcPct val="0"/>
+              </a:spcBef>
+              <a:spcAft>
+                <a:spcPct val="0"/>
+              </a:spcAft>
+              <a:defRPr sz="2600">
+                <a:solidFill>
+                  <a:srgbClr val="262626"/>
+                </a:solidFill>
+                <a:latin typeface="Gill Sans MT" panose="020B0502020104020203" pitchFamily="34" charset="0"/>
+              </a:defRPr>
+            </a:lvl9pPr>
+          </a:lstStyle>
+          <a:p>
+            <a:pPr algn="l" eaLnBrk="1" hangingPunct="1"/>
+            <a:r>
+              <a:rPr lang="en-US" altLang="zh-CN" cap="none">
+                <a:latin typeface="Comic Sans MS" panose="030F0702030302020204" pitchFamily="66" charset="0"/>
+              </a:rPr>
+              <a:t>BeSS(Best Subset Selection) method</a:t>
+            </a:r>
+            <a:endParaRPr lang="en-US" altLang="zh-CN" cap="none" dirty="0">
+              <a:latin typeface="Comic Sans MS" panose="030F0702030302020204" pitchFamily="66" charset="0"/>
+              <a:ea typeface="宋体" panose="02010600030101010101" pitchFamily="2" charset="-122"/>
+            </a:endParaRPr>
+          </a:p>
+        </p:txBody>
+      </p:sp>
+      <p:sp>
+        <p:nvSpPr>
+          <p:cNvPr id="3" name="TextBox 2">
+            <a:extLst>
+              <a:ext uri="{FF2B5EF4-FFF2-40B4-BE49-F238E27FC236}">
+                <a16:creationId xmlns:a16="http://schemas.microsoft.com/office/drawing/2014/main" id="{19870462-3491-43D8-AC1E-7F00B8F8B759}"/>
+              </a:ext>
+            </a:extLst>
+          </p:cNvPr>
+          <p:cNvSpPr txBox="1"/>
+          <p:nvPr/>
+        </p:nvSpPr>
+        <p:spPr>
+          <a:xfrm>
+            <a:off x="971600" y="1880828"/>
+            <a:ext cx="6804756" cy="1200329"/>
+          </a:xfrm>
+          <a:prstGeom prst="rect">
+            <a:avLst/>
+          </a:prstGeom>
+          <a:noFill/>
+        </p:spPr>
+        <p:txBody>
+          <a:bodyPr wrap="square" rtlCol="0">
+            <a:spAutoFit/>
+          </a:bodyPr>
+          <a:lstStyle/>
+          <a:p>
+            <a:r>
+              <a:rPr lang="en-US" altLang="zh-CN" dirty="0">
+                <a:solidFill>
+                  <a:srgbClr val="000000"/>
+                </a:solidFill>
+                <a:latin typeface="Gill Sans MT" panose="020B0502020104020203" pitchFamily="34" charset="0"/>
+              </a:rPr>
+              <a:t>Calculating the AIC,  BIC, GIC and </a:t>
+            </a:r>
+            <a:r>
+              <a:rPr lang="en-US" altLang="zh-CN" dirty="0" err="1">
+                <a:solidFill>
+                  <a:srgbClr val="000000"/>
+                </a:solidFill>
+                <a:latin typeface="Gill Sans MT" panose="020B0502020104020203" pitchFamily="34" charset="0"/>
+              </a:rPr>
+              <a:t>mse</a:t>
+            </a:r>
+            <a:r>
+              <a:rPr lang="en-US" altLang="zh-CN" dirty="0">
+                <a:solidFill>
+                  <a:srgbClr val="000000"/>
+                </a:solidFill>
+                <a:latin typeface="Gill Sans MT" panose="020B0502020104020203" pitchFamily="34" charset="0"/>
+              </a:rPr>
+              <a:t> using </a:t>
+            </a:r>
+            <a:r>
+              <a:rPr lang="en-US" altLang="zh-CN" dirty="0" err="1">
+                <a:solidFill>
+                  <a:srgbClr val="000000"/>
+                </a:solidFill>
+                <a:latin typeface="Gill Sans MT" panose="020B0502020104020203" pitchFamily="34" charset="0"/>
+              </a:rPr>
+              <a:t>BeSS</a:t>
+            </a:r>
+            <a:r>
+              <a:rPr lang="en-US" altLang="zh-CN" dirty="0">
+                <a:solidFill>
+                  <a:srgbClr val="000000"/>
+                </a:solidFill>
+                <a:latin typeface="Gill Sans MT" panose="020B0502020104020203" pitchFamily="34" charset="0"/>
+              </a:rPr>
+              <a:t> method, we can compare with different number of variables, the performance of fitted model.</a:t>
+            </a:r>
+          </a:p>
+          <a:p>
+            <a:endParaRPr lang="zh-CN" altLang="en-US" dirty="0">
+              <a:solidFill>
+                <a:srgbClr val="000000"/>
+              </a:solidFill>
+              <a:latin typeface="Gill Sans MT" panose="020B0502020104020203" pitchFamily="34" charset="0"/>
+            </a:endParaRPr>
+          </a:p>
+        </p:txBody>
+      </p:sp>
+      <p:sp>
+        <p:nvSpPr>
+          <p:cNvPr id="4" name="AutoShape 2" descr="C:\Users\Tansu\AppData\Local\Microsoft\Windows\INetCache\Content.MSO\pptD1A9.tmp">
+            <a:extLst>
+              <a:ext uri="{FF2B5EF4-FFF2-40B4-BE49-F238E27FC236}">
+                <a16:creationId xmlns:a16="http://schemas.microsoft.com/office/drawing/2014/main" id="{91E8762C-2714-4961-A8D5-D758ABCF0A9D}"/>
+              </a:ext>
+            </a:extLst>
+          </p:cNvPr>
+          <p:cNvSpPr>
+            <a:spLocks noChangeAspect="1" noChangeArrowheads="1"/>
+          </p:cNvSpPr>
+          <p:nvPr/>
+        </p:nvSpPr>
+        <p:spPr bwMode="auto">
+          <a:xfrm>
+            <a:off x="4419600" y="3276600"/>
+            <a:ext cx="2600672" cy="2600672"/>
+          </a:xfrm>
+          <a:prstGeom prst="rect">
+            <a:avLst/>
+          </a:prstGeom>
+          <a:noFill/>
+          <a:extLst>
+            <a:ext uri="{909E8E84-426E-40DD-AFC4-6F175D3DCCD1}">
+              <a14:hiddenFill xmlns:a14="http://schemas.microsoft.com/office/drawing/2010/main">
+                <a:solidFill>
+                  <a:srgbClr val="FFFFFF"/>
+                </a:solidFill>
+              </a14:hiddenFill>
+            </a:ext>
+          </a:extLst>
+        </p:spPr>
+        <p:txBody>
+          <a:bodyPr vert="horz" wrap="square" lIns="91440" tIns="45720" rIns="91440" bIns="45720" numCol="1" anchor="t" anchorCtr="0" compatLnSpc="1">
+            <a:prstTxWarp prst="textNoShape">
+              <a:avLst/>
+            </a:prstTxWarp>
+          </a:bodyPr>
+          <a:lstStyle/>
+          <a:p>
+            <a:endParaRPr lang="zh-CN" altLang="en-US"/>
+          </a:p>
+        </p:txBody>
+      </p:sp>
       <p:pic>
         <p:nvPicPr>
-          <p:cNvPr id="8" name="Picture 7">
+          <p:cNvPr id="6" name="Picture 5" descr="A close up of a map&#10;&#10;Description automatically generated">
             <a:extLst>
               <a:ext uri="{FF2B5EF4-FFF2-40B4-BE49-F238E27FC236}">
-                <a16:creationId xmlns:a16="http://schemas.microsoft.com/office/drawing/2014/main" id="{3AA68A94-6E5A-4952-8B46-D487463E324C}"/>
+                <a16:creationId xmlns:a16="http://schemas.microsoft.com/office/drawing/2014/main" id="{D81FAEA2-ABF4-4189-85AB-0C5E56B11153}"/>
               </a:ext>
             </a:extLst>
           </p:cNvPr>
@@ -27129,18 +27528,460 @@
         </p:blipFill>
         <p:spPr>
           <a:xfrm>
-            <a:off x="647564" y="3032956"/>
-            <a:ext cx="7896283" cy="2671782"/>
+            <a:off x="3671900" y="2564904"/>
+            <a:ext cx="3852428" cy="3852428"/>
           </a:xfrm>
           <a:prstGeom prst="rect">
             <a:avLst/>
           </a:prstGeom>
         </p:spPr>
       </p:pic>
+      <p:sp>
+        <p:nvSpPr>
+          <p:cNvPr id="7" name="TextBox 6">
+            <a:extLst>
+              <a:ext uri="{FF2B5EF4-FFF2-40B4-BE49-F238E27FC236}">
+                <a16:creationId xmlns:a16="http://schemas.microsoft.com/office/drawing/2014/main" id="{97F65A89-CD71-470C-B0F3-8842387D86D9}"/>
+              </a:ext>
+            </a:extLst>
+          </p:cNvPr>
+          <p:cNvSpPr txBox="1"/>
+          <p:nvPr/>
+        </p:nvSpPr>
+        <p:spPr>
+          <a:xfrm>
+            <a:off x="971600" y="3176972"/>
+            <a:ext cx="2592288" cy="1754326"/>
+          </a:xfrm>
+          <a:prstGeom prst="rect">
+            <a:avLst/>
+          </a:prstGeom>
+          <a:noFill/>
+        </p:spPr>
+        <p:txBody>
+          <a:bodyPr wrap="square" rtlCol="0">
+            <a:spAutoFit/>
+          </a:bodyPr>
+          <a:lstStyle/>
+          <a:p>
+            <a:r>
+              <a:rPr lang="en-US" altLang="zh-CN" dirty="0"/>
+              <a:t>Best variable choices</a:t>
+            </a:r>
+          </a:p>
+          <a:p>
+            <a:endParaRPr lang="en-US" altLang="zh-CN" dirty="0"/>
+          </a:p>
+          <a:p>
+            <a:r>
+              <a:rPr lang="en-US" altLang="zh-CN" dirty="0" err="1"/>
+              <a:t>Mse</a:t>
+            </a:r>
+            <a:r>
+              <a:rPr lang="en-US" altLang="zh-CN" dirty="0"/>
+              <a:t>: 4</a:t>
+            </a:r>
+          </a:p>
+          <a:p>
+            <a:r>
+              <a:rPr lang="en-US" altLang="zh-CN" dirty="0"/>
+              <a:t>AIC:  6</a:t>
+            </a:r>
+          </a:p>
+          <a:p>
+            <a:r>
+              <a:rPr lang="en-US" altLang="zh-CN" dirty="0"/>
+              <a:t>BIC:  5</a:t>
+            </a:r>
+          </a:p>
+          <a:p>
+            <a:r>
+              <a:rPr lang="en-US" altLang="zh-CN" dirty="0"/>
+              <a:t>GIC:  5</a:t>
+            </a:r>
+            <a:endParaRPr lang="zh-CN" altLang="en-US" dirty="0"/>
+          </a:p>
+        </p:txBody>
+      </p:sp>
     </p:spTree>
     <p:extLst>
       <p:ext uri="{BB962C8B-B14F-4D97-AF65-F5344CB8AC3E}">
-        <p14:creationId xmlns:p14="http://schemas.microsoft.com/office/powerpoint/2010/main" val="3946559677"/>
+        <p14:creationId xmlns:p14="http://schemas.microsoft.com/office/powerpoint/2010/main" val="4245971184"/>
+      </p:ext>
+    </p:extLst>
+  </p:cSld>
+  <p:clrMapOvr>
+    <a:masterClrMapping/>
+  </p:clrMapOvr>
+</p:sld>
+</file>
+
+<file path=ppt/slides/slide32.xml><?xml version="1.0" encoding="utf-8"?>
+<p:sld xmlns:a="http://schemas.openxmlformats.org/drawingml/2006/main" xmlns:r="http://schemas.openxmlformats.org/officeDocument/2006/relationships" xmlns:p="http://schemas.openxmlformats.org/presentationml/2006/main">
+  <p:cSld>
+    <p:bg>
+      <p:bgPr>
+        <a:solidFill>
+          <a:schemeClr val="bg1"/>
+        </a:solidFill>
+        <a:effectLst/>
+      </p:bgPr>
+    </p:bg>
+    <p:spTree>
+      <p:nvGrpSpPr>
+        <p:cNvPr id="1" name=""/>
+        <p:cNvGrpSpPr/>
+        <p:nvPr/>
+      </p:nvGrpSpPr>
+      <p:grpSpPr>
+        <a:xfrm>
+          <a:off x="0" y="0"/>
+          <a:ext cx="0" cy="0"/>
+          <a:chOff x="0" y="0"/>
+          <a:chExt cx="0" cy="0"/>
+        </a:xfrm>
+      </p:grpSpPr>
+      <p:sp>
+        <p:nvSpPr>
+          <p:cNvPr id="5" name="Title 1">
+            <a:extLst>
+              <a:ext uri="{FF2B5EF4-FFF2-40B4-BE49-F238E27FC236}">
+                <a16:creationId xmlns:a16="http://schemas.microsoft.com/office/drawing/2014/main" id="{FCA38577-0999-4357-A9DA-F4B52D3D87F2}"/>
+              </a:ext>
+            </a:extLst>
+          </p:cNvPr>
+          <p:cNvSpPr txBox="1">
+            <a:spLocks/>
+          </p:cNvSpPr>
+          <p:nvPr/>
+        </p:nvSpPr>
+        <p:spPr>
+          <a:xfrm>
+            <a:off x="395288" y="260350"/>
+            <a:ext cx="7632700" cy="1189038"/>
+          </a:xfrm>
+          <a:prstGeom prst="rect">
+            <a:avLst/>
+          </a:prstGeom>
+          <a:solidFill>
+            <a:schemeClr val="bg1"/>
+          </a:solidFill>
+          <a:ln w="38100">
+            <a:solidFill>
+              <a:srgbClr val="404040"/>
+            </a:solidFill>
+          </a:ln>
+        </p:spPr>
+        <p:txBody>
+          <a:bodyPr wrap="square" numCol="1" anchor="ctr" anchorCtr="0" compatLnSpc="1">
+            <a:prstTxWarp prst="textNoShape">
+              <a:avLst/>
+            </a:prstTxWarp>
+          </a:bodyPr>
+          <a:lstStyle>
+            <a:lvl1pPr algn="ctr" rtl="0" fontAlgn="base">
+              <a:lnSpc>
+                <a:spcPct val="90000"/>
+              </a:lnSpc>
+              <a:spcBef>
+                <a:spcPct val="0"/>
+              </a:spcBef>
+              <a:spcAft>
+                <a:spcPct val="0"/>
+              </a:spcAft>
+              <a:defRPr sz="2600" kern="1200" cap="all" spc="200">
+                <a:solidFill>
+                  <a:srgbClr val="262626"/>
+                </a:solidFill>
+                <a:latin typeface="+mj-lt"/>
+                <a:ea typeface="+mj-ea"/>
+                <a:cs typeface="+mj-cs"/>
+              </a:defRPr>
+            </a:lvl1pPr>
+            <a:lvl2pPr algn="ctr" rtl="0" fontAlgn="base">
+              <a:lnSpc>
+                <a:spcPct val="90000"/>
+              </a:lnSpc>
+              <a:spcBef>
+                <a:spcPct val="0"/>
+              </a:spcBef>
+              <a:spcAft>
+                <a:spcPct val="0"/>
+              </a:spcAft>
+              <a:defRPr sz="2600">
+                <a:solidFill>
+                  <a:srgbClr val="262626"/>
+                </a:solidFill>
+                <a:latin typeface="Gill Sans MT" panose="020B0502020104020203" pitchFamily="34" charset="0"/>
+              </a:defRPr>
+            </a:lvl2pPr>
+            <a:lvl3pPr algn="ctr" rtl="0" fontAlgn="base">
+              <a:lnSpc>
+                <a:spcPct val="90000"/>
+              </a:lnSpc>
+              <a:spcBef>
+                <a:spcPct val="0"/>
+              </a:spcBef>
+              <a:spcAft>
+                <a:spcPct val="0"/>
+              </a:spcAft>
+              <a:defRPr sz="2600">
+                <a:solidFill>
+                  <a:srgbClr val="262626"/>
+                </a:solidFill>
+                <a:latin typeface="Gill Sans MT" panose="020B0502020104020203" pitchFamily="34" charset="0"/>
+              </a:defRPr>
+            </a:lvl3pPr>
+            <a:lvl4pPr algn="ctr" rtl="0" fontAlgn="base">
+              <a:lnSpc>
+                <a:spcPct val="90000"/>
+              </a:lnSpc>
+              <a:spcBef>
+                <a:spcPct val="0"/>
+              </a:spcBef>
+              <a:spcAft>
+                <a:spcPct val="0"/>
+              </a:spcAft>
+              <a:defRPr sz="2600">
+                <a:solidFill>
+                  <a:srgbClr val="262626"/>
+                </a:solidFill>
+                <a:latin typeface="Gill Sans MT" panose="020B0502020104020203" pitchFamily="34" charset="0"/>
+              </a:defRPr>
+            </a:lvl4pPr>
+            <a:lvl5pPr algn="ctr" rtl="0" fontAlgn="base">
+              <a:lnSpc>
+                <a:spcPct val="90000"/>
+              </a:lnSpc>
+              <a:spcBef>
+                <a:spcPct val="0"/>
+              </a:spcBef>
+              <a:spcAft>
+                <a:spcPct val="0"/>
+              </a:spcAft>
+              <a:defRPr sz="2600">
+                <a:solidFill>
+                  <a:srgbClr val="262626"/>
+                </a:solidFill>
+                <a:latin typeface="Gill Sans MT" panose="020B0502020104020203" pitchFamily="34" charset="0"/>
+              </a:defRPr>
+            </a:lvl5pPr>
+            <a:lvl6pPr marL="457200" algn="ctr" rtl="0" fontAlgn="base">
+              <a:lnSpc>
+                <a:spcPct val="90000"/>
+              </a:lnSpc>
+              <a:spcBef>
+                <a:spcPct val="0"/>
+              </a:spcBef>
+              <a:spcAft>
+                <a:spcPct val="0"/>
+              </a:spcAft>
+              <a:defRPr sz="2600">
+                <a:solidFill>
+                  <a:srgbClr val="262626"/>
+                </a:solidFill>
+                <a:latin typeface="Gill Sans MT" panose="020B0502020104020203" pitchFamily="34" charset="0"/>
+              </a:defRPr>
+            </a:lvl6pPr>
+            <a:lvl7pPr marL="914400" algn="ctr" rtl="0" fontAlgn="base">
+              <a:lnSpc>
+                <a:spcPct val="90000"/>
+              </a:lnSpc>
+              <a:spcBef>
+                <a:spcPct val="0"/>
+              </a:spcBef>
+              <a:spcAft>
+                <a:spcPct val="0"/>
+              </a:spcAft>
+              <a:defRPr sz="2600">
+                <a:solidFill>
+                  <a:srgbClr val="262626"/>
+                </a:solidFill>
+                <a:latin typeface="Gill Sans MT" panose="020B0502020104020203" pitchFamily="34" charset="0"/>
+              </a:defRPr>
+            </a:lvl7pPr>
+            <a:lvl8pPr marL="1371600" algn="ctr" rtl="0" fontAlgn="base">
+              <a:lnSpc>
+                <a:spcPct val="90000"/>
+              </a:lnSpc>
+              <a:spcBef>
+                <a:spcPct val="0"/>
+              </a:spcBef>
+              <a:spcAft>
+                <a:spcPct val="0"/>
+              </a:spcAft>
+              <a:defRPr sz="2600">
+                <a:solidFill>
+                  <a:srgbClr val="262626"/>
+                </a:solidFill>
+                <a:latin typeface="Gill Sans MT" panose="020B0502020104020203" pitchFamily="34" charset="0"/>
+              </a:defRPr>
+            </a:lvl8pPr>
+            <a:lvl9pPr marL="1828800" algn="ctr" rtl="0" fontAlgn="base">
+              <a:lnSpc>
+                <a:spcPct val="90000"/>
+              </a:lnSpc>
+              <a:spcBef>
+                <a:spcPct val="0"/>
+              </a:spcBef>
+              <a:spcAft>
+                <a:spcPct val="0"/>
+              </a:spcAft>
+              <a:defRPr sz="2600">
+                <a:solidFill>
+                  <a:srgbClr val="262626"/>
+                </a:solidFill>
+                <a:latin typeface="Gill Sans MT" panose="020B0502020104020203" pitchFamily="34" charset="0"/>
+              </a:defRPr>
+            </a:lvl9pPr>
+          </a:lstStyle>
+          <a:p>
+            <a:pPr algn="l" eaLnBrk="1" hangingPunct="1"/>
+            <a:r>
+              <a:rPr lang="en-US" altLang="zh-CN" cap="none" dirty="0" err="1">
+                <a:latin typeface="Comic Sans MS" panose="030F0702030302020204" pitchFamily="66" charset="0"/>
+              </a:rPr>
+              <a:t>BeSS</a:t>
+            </a:r>
+            <a:r>
+              <a:rPr lang="en-US" altLang="zh-CN" cap="none" dirty="0">
+                <a:latin typeface="Comic Sans MS" panose="030F0702030302020204" pitchFamily="66" charset="0"/>
+              </a:rPr>
+              <a:t>(Best Subset Selection) method</a:t>
+            </a:r>
+            <a:endParaRPr lang="en-US" altLang="zh-CN" cap="none" dirty="0">
+              <a:latin typeface="Comic Sans MS" panose="030F0702030302020204" pitchFamily="66" charset="0"/>
+              <a:ea typeface="宋体" panose="02010600030101010101" pitchFamily="2" charset="-122"/>
+            </a:endParaRPr>
+          </a:p>
+        </p:txBody>
+      </p:sp>
+      <p:sp>
+        <p:nvSpPr>
+          <p:cNvPr id="7" name="TextBox 6">
+            <a:extLst>
+              <a:ext uri="{FF2B5EF4-FFF2-40B4-BE49-F238E27FC236}">
+                <a16:creationId xmlns:a16="http://schemas.microsoft.com/office/drawing/2014/main" id="{265010EC-5F1D-4C10-AB9D-FABC0FE571C7}"/>
+              </a:ext>
+            </a:extLst>
+          </p:cNvPr>
+          <p:cNvSpPr txBox="1"/>
+          <p:nvPr/>
+        </p:nvSpPr>
+        <p:spPr>
+          <a:xfrm>
+            <a:off x="971600" y="1880828"/>
+            <a:ext cx="6804756" cy="1200329"/>
+          </a:xfrm>
+          <a:prstGeom prst="rect">
+            <a:avLst/>
+          </a:prstGeom>
+          <a:noFill/>
+        </p:spPr>
+        <p:txBody>
+          <a:bodyPr wrap="square" rtlCol="0">
+            <a:spAutoFit/>
+          </a:bodyPr>
+          <a:lstStyle/>
+          <a:p>
+            <a:r>
+              <a:rPr lang="en-US" altLang="zh-CN" dirty="0">
+                <a:solidFill>
+                  <a:srgbClr val="000000"/>
+                </a:solidFill>
+                <a:latin typeface="Gill Sans MT" panose="020B0502020104020203" pitchFamily="34" charset="0"/>
+              </a:rPr>
+              <a:t>From the BIC criterion, the best choice is use five variables to fit the model.</a:t>
+            </a:r>
+          </a:p>
+          <a:p>
+            <a:endParaRPr lang="en-US" altLang="zh-CN" dirty="0">
+              <a:solidFill>
+                <a:srgbClr val="000000"/>
+              </a:solidFill>
+              <a:latin typeface="Gill Sans MT" panose="020B0502020104020203" pitchFamily="34" charset="0"/>
+            </a:endParaRPr>
+          </a:p>
+          <a:p>
+            <a:endParaRPr lang="zh-CN" altLang="en-US" dirty="0">
+              <a:solidFill>
+                <a:srgbClr val="000000"/>
+              </a:solidFill>
+              <a:latin typeface="Gill Sans MT" panose="020B0502020104020203" pitchFamily="34" charset="0"/>
+            </a:endParaRPr>
+          </a:p>
+        </p:txBody>
+      </p:sp>
+      <p:pic>
+        <p:nvPicPr>
+          <p:cNvPr id="2" name="Picture 1">
+            <a:extLst>
+              <a:ext uri="{FF2B5EF4-FFF2-40B4-BE49-F238E27FC236}">
+                <a16:creationId xmlns:a16="http://schemas.microsoft.com/office/drawing/2014/main" id="{CF78FA90-7588-4F92-8130-DC55627AC256}"/>
+              </a:ext>
+            </a:extLst>
+          </p:cNvPr>
+          <p:cNvPicPr>
+            <a:picLocks noChangeAspect="1"/>
+          </p:cNvPicPr>
+          <p:nvPr/>
+        </p:nvPicPr>
+        <p:blipFill>
+          <a:blip r:embed="rId2"/>
+          <a:stretch>
+            <a:fillRect/>
+          </a:stretch>
+        </p:blipFill>
+        <p:spPr>
+          <a:xfrm>
+            <a:off x="791580" y="3356992"/>
+            <a:ext cx="7753407" cy="2633682"/>
+          </a:xfrm>
+          <a:prstGeom prst="rect">
+            <a:avLst/>
+          </a:prstGeom>
+        </p:spPr>
+      </p:pic>
+      <p:sp>
+        <p:nvSpPr>
+          <p:cNvPr id="3" name="TextBox 2">
+            <a:extLst>
+              <a:ext uri="{FF2B5EF4-FFF2-40B4-BE49-F238E27FC236}">
+                <a16:creationId xmlns:a16="http://schemas.microsoft.com/office/drawing/2014/main" id="{93BA4817-296E-48C9-AE3C-749E1A9160D3}"/>
+              </a:ext>
+            </a:extLst>
+          </p:cNvPr>
+          <p:cNvSpPr txBox="1"/>
+          <p:nvPr/>
+        </p:nvSpPr>
+        <p:spPr>
+          <a:xfrm>
+            <a:off x="881590" y="2744924"/>
+            <a:ext cx="7290810" cy="369332"/>
+          </a:xfrm>
+          <a:prstGeom prst="rect">
+            <a:avLst/>
+          </a:prstGeom>
+          <a:noFill/>
+        </p:spPr>
+        <p:txBody>
+          <a:bodyPr wrap="square" rtlCol="0">
+            <a:spAutoFit/>
+          </a:bodyPr>
+          <a:lstStyle/>
+          <a:p>
+            <a:r>
+              <a:rPr lang="en-US" altLang="zh-CN" dirty="0"/>
+              <a:t>Bodyfat ~ WEIGHT + ADIPOSITY + CHEST + ABDOMEN + WRIST </a:t>
+            </a:r>
+            <a:endParaRPr lang="zh-CN" altLang="en-US" dirty="0"/>
+          </a:p>
+        </p:txBody>
+      </p:sp>
+    </p:spTree>
+    <p:extLst>
+      <p:ext uri="{BB962C8B-B14F-4D97-AF65-F5344CB8AC3E}">
+        <p14:creationId xmlns:p14="http://schemas.microsoft.com/office/powerpoint/2010/main" val="1723386296"/>
       </p:ext>
     </p:extLst>
   </p:cSld>
@@ -27151,7 +27992,679 @@
 </p:sld>
 </file>
 
-<file path=ppt/slides/slide31.xml><?xml version="1.0" encoding="utf-8"?>
+<file path=ppt/slides/slide33.xml><?xml version="1.0" encoding="utf-8"?>
+<p:sld xmlns:a="http://schemas.openxmlformats.org/drawingml/2006/main" xmlns:r="http://schemas.openxmlformats.org/officeDocument/2006/relationships" xmlns:p="http://schemas.openxmlformats.org/presentationml/2006/main">
+  <p:cSld>
+    <p:bg>
+      <p:bgPr>
+        <a:solidFill>
+          <a:schemeClr val="bg1"/>
+        </a:solidFill>
+        <a:effectLst/>
+      </p:bgPr>
+    </p:bg>
+    <p:spTree>
+      <p:nvGrpSpPr>
+        <p:cNvPr id="1" name=""/>
+        <p:cNvGrpSpPr/>
+        <p:nvPr/>
+      </p:nvGrpSpPr>
+      <p:grpSpPr>
+        <a:xfrm>
+          <a:off x="0" y="0"/>
+          <a:ext cx="0" cy="0"/>
+          <a:chOff x="0" y="0"/>
+          <a:chExt cx="0" cy="0"/>
+        </a:xfrm>
+      </p:grpSpPr>
+      <p:sp>
+        <p:nvSpPr>
+          <p:cNvPr id="2" name="Title 1">
+            <a:extLst>
+              <a:ext uri="{FF2B5EF4-FFF2-40B4-BE49-F238E27FC236}">
+                <a16:creationId xmlns:a16="http://schemas.microsoft.com/office/drawing/2014/main" id="{746928F9-25B2-4651-A7F6-BC15AEC6B43C}"/>
+              </a:ext>
+            </a:extLst>
+          </p:cNvPr>
+          <p:cNvSpPr txBox="1">
+            <a:spLocks/>
+          </p:cNvSpPr>
+          <p:nvPr/>
+        </p:nvSpPr>
+        <p:spPr>
+          <a:xfrm>
+            <a:off x="395288" y="260350"/>
+            <a:ext cx="7632700" cy="1189038"/>
+          </a:xfrm>
+          <a:prstGeom prst="rect">
+            <a:avLst/>
+          </a:prstGeom>
+          <a:solidFill>
+            <a:schemeClr val="bg1"/>
+          </a:solidFill>
+          <a:ln w="38100">
+            <a:solidFill>
+              <a:srgbClr val="404040"/>
+            </a:solidFill>
+          </a:ln>
+        </p:spPr>
+        <p:txBody>
+          <a:bodyPr wrap="square" numCol="1" anchor="ctr" anchorCtr="0" compatLnSpc="1">
+            <a:prstTxWarp prst="textNoShape">
+              <a:avLst/>
+            </a:prstTxWarp>
+          </a:bodyPr>
+          <a:lstStyle>
+            <a:lvl1pPr algn="ctr" rtl="0" fontAlgn="base">
+              <a:lnSpc>
+                <a:spcPct val="90000"/>
+              </a:lnSpc>
+              <a:spcBef>
+                <a:spcPct val="0"/>
+              </a:spcBef>
+              <a:spcAft>
+                <a:spcPct val="0"/>
+              </a:spcAft>
+              <a:defRPr sz="2600" kern="1200" cap="all" spc="200">
+                <a:solidFill>
+                  <a:srgbClr val="262626"/>
+                </a:solidFill>
+                <a:latin typeface="+mj-lt"/>
+                <a:ea typeface="+mj-ea"/>
+                <a:cs typeface="+mj-cs"/>
+              </a:defRPr>
+            </a:lvl1pPr>
+            <a:lvl2pPr algn="ctr" rtl="0" fontAlgn="base">
+              <a:lnSpc>
+                <a:spcPct val="90000"/>
+              </a:lnSpc>
+              <a:spcBef>
+                <a:spcPct val="0"/>
+              </a:spcBef>
+              <a:spcAft>
+                <a:spcPct val="0"/>
+              </a:spcAft>
+              <a:defRPr sz="2600">
+                <a:solidFill>
+                  <a:srgbClr val="262626"/>
+                </a:solidFill>
+                <a:latin typeface="Gill Sans MT" panose="020B0502020104020203" pitchFamily="34" charset="0"/>
+              </a:defRPr>
+            </a:lvl2pPr>
+            <a:lvl3pPr algn="ctr" rtl="0" fontAlgn="base">
+              <a:lnSpc>
+                <a:spcPct val="90000"/>
+              </a:lnSpc>
+              <a:spcBef>
+                <a:spcPct val="0"/>
+              </a:spcBef>
+              <a:spcAft>
+                <a:spcPct val="0"/>
+              </a:spcAft>
+              <a:defRPr sz="2600">
+                <a:solidFill>
+                  <a:srgbClr val="262626"/>
+                </a:solidFill>
+                <a:latin typeface="Gill Sans MT" panose="020B0502020104020203" pitchFamily="34" charset="0"/>
+              </a:defRPr>
+            </a:lvl3pPr>
+            <a:lvl4pPr algn="ctr" rtl="0" fontAlgn="base">
+              <a:lnSpc>
+                <a:spcPct val="90000"/>
+              </a:lnSpc>
+              <a:spcBef>
+                <a:spcPct val="0"/>
+              </a:spcBef>
+              <a:spcAft>
+                <a:spcPct val="0"/>
+              </a:spcAft>
+              <a:defRPr sz="2600">
+                <a:solidFill>
+                  <a:srgbClr val="262626"/>
+                </a:solidFill>
+                <a:latin typeface="Gill Sans MT" panose="020B0502020104020203" pitchFamily="34" charset="0"/>
+              </a:defRPr>
+            </a:lvl4pPr>
+            <a:lvl5pPr algn="ctr" rtl="0" fontAlgn="base">
+              <a:lnSpc>
+                <a:spcPct val="90000"/>
+              </a:lnSpc>
+              <a:spcBef>
+                <a:spcPct val="0"/>
+              </a:spcBef>
+              <a:spcAft>
+                <a:spcPct val="0"/>
+              </a:spcAft>
+              <a:defRPr sz="2600">
+                <a:solidFill>
+                  <a:srgbClr val="262626"/>
+                </a:solidFill>
+                <a:latin typeface="Gill Sans MT" panose="020B0502020104020203" pitchFamily="34" charset="0"/>
+              </a:defRPr>
+            </a:lvl5pPr>
+            <a:lvl6pPr marL="457200" algn="ctr" rtl="0" fontAlgn="base">
+              <a:lnSpc>
+                <a:spcPct val="90000"/>
+              </a:lnSpc>
+              <a:spcBef>
+                <a:spcPct val="0"/>
+              </a:spcBef>
+              <a:spcAft>
+                <a:spcPct val="0"/>
+              </a:spcAft>
+              <a:defRPr sz="2600">
+                <a:solidFill>
+                  <a:srgbClr val="262626"/>
+                </a:solidFill>
+                <a:latin typeface="Gill Sans MT" panose="020B0502020104020203" pitchFamily="34" charset="0"/>
+              </a:defRPr>
+            </a:lvl6pPr>
+            <a:lvl7pPr marL="914400" algn="ctr" rtl="0" fontAlgn="base">
+              <a:lnSpc>
+                <a:spcPct val="90000"/>
+              </a:lnSpc>
+              <a:spcBef>
+                <a:spcPct val="0"/>
+              </a:spcBef>
+              <a:spcAft>
+                <a:spcPct val="0"/>
+              </a:spcAft>
+              <a:defRPr sz="2600">
+                <a:solidFill>
+                  <a:srgbClr val="262626"/>
+                </a:solidFill>
+                <a:latin typeface="Gill Sans MT" panose="020B0502020104020203" pitchFamily="34" charset="0"/>
+              </a:defRPr>
+            </a:lvl7pPr>
+            <a:lvl8pPr marL="1371600" algn="ctr" rtl="0" fontAlgn="base">
+              <a:lnSpc>
+                <a:spcPct val="90000"/>
+              </a:lnSpc>
+              <a:spcBef>
+                <a:spcPct val="0"/>
+              </a:spcBef>
+              <a:spcAft>
+                <a:spcPct val="0"/>
+              </a:spcAft>
+              <a:defRPr sz="2600">
+                <a:solidFill>
+                  <a:srgbClr val="262626"/>
+                </a:solidFill>
+                <a:latin typeface="Gill Sans MT" panose="020B0502020104020203" pitchFamily="34" charset="0"/>
+              </a:defRPr>
+            </a:lvl8pPr>
+            <a:lvl9pPr marL="1828800" algn="ctr" rtl="0" fontAlgn="base">
+              <a:lnSpc>
+                <a:spcPct val="90000"/>
+              </a:lnSpc>
+              <a:spcBef>
+                <a:spcPct val="0"/>
+              </a:spcBef>
+              <a:spcAft>
+                <a:spcPct val="0"/>
+              </a:spcAft>
+              <a:defRPr sz="2600">
+                <a:solidFill>
+                  <a:srgbClr val="262626"/>
+                </a:solidFill>
+                <a:latin typeface="Gill Sans MT" panose="020B0502020104020203" pitchFamily="34" charset="0"/>
+              </a:defRPr>
+            </a:lvl9pPr>
+          </a:lstStyle>
+          <a:p>
+            <a:pPr algn="l" eaLnBrk="1" hangingPunct="1"/>
+            <a:r>
+              <a:rPr lang="en-US" altLang="zh-CN" cap="none">
+                <a:latin typeface="Comic Sans MS" panose="030F0702030302020204" pitchFamily="66" charset="0"/>
+              </a:rPr>
+              <a:t>BeSS(Best Subset Selection) method</a:t>
+            </a:r>
+            <a:endParaRPr lang="en-US" altLang="zh-CN" cap="none" dirty="0">
+              <a:latin typeface="Comic Sans MS" panose="030F0702030302020204" pitchFamily="66" charset="0"/>
+              <a:ea typeface="宋体" panose="02010600030101010101" pitchFamily="2" charset="-122"/>
+            </a:endParaRPr>
+          </a:p>
+        </p:txBody>
+      </p:sp>
+      <p:sp>
+        <p:nvSpPr>
+          <p:cNvPr id="4" name="TextBox 3">
+            <a:extLst>
+              <a:ext uri="{FF2B5EF4-FFF2-40B4-BE49-F238E27FC236}">
+                <a16:creationId xmlns:a16="http://schemas.microsoft.com/office/drawing/2014/main" id="{1C2C39CB-4958-4F31-B727-840041B3DFAE}"/>
+              </a:ext>
+            </a:extLst>
+          </p:cNvPr>
+          <p:cNvSpPr txBox="1"/>
+          <p:nvPr/>
+        </p:nvSpPr>
+        <p:spPr>
+          <a:xfrm>
+            <a:off x="1043608" y="1880828"/>
+            <a:ext cx="6084676" cy="369332"/>
+          </a:xfrm>
+          <a:prstGeom prst="rect">
+            <a:avLst/>
+          </a:prstGeom>
+          <a:noFill/>
+        </p:spPr>
+        <p:txBody>
+          <a:bodyPr wrap="square" rtlCol="0">
+            <a:spAutoFit/>
+          </a:bodyPr>
+          <a:lstStyle/>
+          <a:p>
+            <a:r>
+              <a:rPr lang="en-US" altLang="zh-CN" dirty="0">
+                <a:solidFill>
+                  <a:srgbClr val="000000"/>
+                </a:solidFill>
+                <a:latin typeface="Gill Sans MT" panose="020B0502020104020203" pitchFamily="34" charset="0"/>
+              </a:rPr>
+              <a:t>The optimal choice is five variables, but it is too complicated.</a:t>
+            </a:r>
+            <a:endParaRPr lang="zh-CN" altLang="en-US" dirty="0">
+              <a:solidFill>
+                <a:srgbClr val="000000"/>
+              </a:solidFill>
+              <a:latin typeface="Gill Sans MT" panose="020B0502020104020203" pitchFamily="34" charset="0"/>
+            </a:endParaRPr>
+          </a:p>
+        </p:txBody>
+      </p:sp>
+      <p:sp>
+        <p:nvSpPr>
+          <p:cNvPr id="5" name="TextBox 4">
+            <a:extLst>
+              <a:ext uri="{FF2B5EF4-FFF2-40B4-BE49-F238E27FC236}">
+                <a16:creationId xmlns:a16="http://schemas.microsoft.com/office/drawing/2014/main" id="{A8DC63A0-B3E0-45E7-A411-4809343F5046}"/>
+              </a:ext>
+            </a:extLst>
+          </p:cNvPr>
+          <p:cNvSpPr txBox="1"/>
+          <p:nvPr/>
+        </p:nvSpPr>
+        <p:spPr>
+          <a:xfrm>
+            <a:off x="503548" y="2420888"/>
+            <a:ext cx="4140460" cy="369332"/>
+          </a:xfrm>
+          <a:prstGeom prst="rect">
+            <a:avLst/>
+          </a:prstGeom>
+          <a:noFill/>
+        </p:spPr>
+        <p:txBody>
+          <a:bodyPr wrap="square" rtlCol="0">
+            <a:spAutoFit/>
+          </a:bodyPr>
+          <a:lstStyle/>
+          <a:p>
+            <a:r>
+              <a:rPr lang="en-US" altLang="zh-CN" b="1" dirty="0"/>
+              <a:t>Leave WRIST out</a:t>
+            </a:r>
+            <a:endParaRPr lang="zh-CN" altLang="en-US" b="1" dirty="0"/>
+          </a:p>
+        </p:txBody>
+      </p:sp>
+      <p:pic>
+        <p:nvPicPr>
+          <p:cNvPr id="6" name="Picture 5">
+            <a:extLst>
+              <a:ext uri="{FF2B5EF4-FFF2-40B4-BE49-F238E27FC236}">
+                <a16:creationId xmlns:a16="http://schemas.microsoft.com/office/drawing/2014/main" id="{A2BCB9AB-407C-4976-85A3-5335DFDA4F72}"/>
+              </a:ext>
+            </a:extLst>
+          </p:cNvPr>
+          <p:cNvPicPr>
+            <a:picLocks noChangeAspect="1"/>
+          </p:cNvPicPr>
+          <p:nvPr/>
+        </p:nvPicPr>
+        <p:blipFill>
+          <a:blip r:embed="rId2"/>
+          <a:stretch>
+            <a:fillRect/>
+          </a:stretch>
+        </p:blipFill>
+        <p:spPr>
+          <a:xfrm>
+            <a:off x="788736" y="2996952"/>
+            <a:ext cx="7710544" cy="2509856"/>
+          </a:xfrm>
+          <a:prstGeom prst="rect">
+            <a:avLst/>
+          </a:prstGeom>
+        </p:spPr>
+      </p:pic>
+    </p:spTree>
+    <p:extLst>
+      <p:ext uri="{BB962C8B-B14F-4D97-AF65-F5344CB8AC3E}">
+        <p14:creationId xmlns:p14="http://schemas.microsoft.com/office/powerpoint/2010/main" val="1268600472"/>
+      </p:ext>
+    </p:extLst>
+  </p:cSld>
+  <p:clrMapOvr>
+    <a:masterClrMapping/>
+  </p:clrMapOvr>
+</p:sld>
+</file>
+
+<file path=ppt/slides/slide34.xml><?xml version="1.0" encoding="utf-8"?>
+<p:sld xmlns:a="http://schemas.openxmlformats.org/drawingml/2006/main" xmlns:r="http://schemas.openxmlformats.org/officeDocument/2006/relationships" xmlns:p="http://schemas.openxmlformats.org/presentationml/2006/main">
+  <p:cSld>
+    <p:bg>
+      <p:bgPr>
+        <a:solidFill>
+          <a:schemeClr val="bg1"/>
+        </a:solidFill>
+        <a:effectLst/>
+      </p:bgPr>
+    </p:bg>
+    <p:spTree>
+      <p:nvGrpSpPr>
+        <p:cNvPr id="1" name=""/>
+        <p:cNvGrpSpPr/>
+        <p:nvPr/>
+      </p:nvGrpSpPr>
+      <p:grpSpPr>
+        <a:xfrm>
+          <a:off x="0" y="0"/>
+          <a:ext cx="0" cy="0"/>
+          <a:chOff x="0" y="0"/>
+          <a:chExt cx="0" cy="0"/>
+        </a:xfrm>
+      </p:grpSpPr>
+      <p:sp>
+        <p:nvSpPr>
+          <p:cNvPr id="2" name="Title 1">
+            <a:extLst>
+              <a:ext uri="{FF2B5EF4-FFF2-40B4-BE49-F238E27FC236}">
+                <a16:creationId xmlns:a16="http://schemas.microsoft.com/office/drawing/2014/main" id="{746928F9-25B2-4651-A7F6-BC15AEC6B43C}"/>
+              </a:ext>
+            </a:extLst>
+          </p:cNvPr>
+          <p:cNvSpPr txBox="1">
+            <a:spLocks/>
+          </p:cNvSpPr>
+          <p:nvPr/>
+        </p:nvSpPr>
+        <p:spPr>
+          <a:xfrm>
+            <a:off x="395288" y="260350"/>
+            <a:ext cx="7632700" cy="1189038"/>
+          </a:xfrm>
+          <a:prstGeom prst="rect">
+            <a:avLst/>
+          </a:prstGeom>
+          <a:solidFill>
+            <a:schemeClr val="bg1"/>
+          </a:solidFill>
+          <a:ln w="38100">
+            <a:solidFill>
+              <a:srgbClr val="404040"/>
+            </a:solidFill>
+          </a:ln>
+        </p:spPr>
+        <p:txBody>
+          <a:bodyPr wrap="square" numCol="1" anchor="ctr" anchorCtr="0" compatLnSpc="1">
+            <a:prstTxWarp prst="textNoShape">
+              <a:avLst/>
+            </a:prstTxWarp>
+          </a:bodyPr>
+          <a:lstStyle>
+            <a:lvl1pPr algn="ctr" rtl="0" fontAlgn="base">
+              <a:lnSpc>
+                <a:spcPct val="90000"/>
+              </a:lnSpc>
+              <a:spcBef>
+                <a:spcPct val="0"/>
+              </a:spcBef>
+              <a:spcAft>
+                <a:spcPct val="0"/>
+              </a:spcAft>
+              <a:defRPr sz="2600" kern="1200" cap="all" spc="200">
+                <a:solidFill>
+                  <a:srgbClr val="262626"/>
+                </a:solidFill>
+                <a:latin typeface="+mj-lt"/>
+                <a:ea typeface="+mj-ea"/>
+                <a:cs typeface="+mj-cs"/>
+              </a:defRPr>
+            </a:lvl1pPr>
+            <a:lvl2pPr algn="ctr" rtl="0" fontAlgn="base">
+              <a:lnSpc>
+                <a:spcPct val="90000"/>
+              </a:lnSpc>
+              <a:spcBef>
+                <a:spcPct val="0"/>
+              </a:spcBef>
+              <a:spcAft>
+                <a:spcPct val="0"/>
+              </a:spcAft>
+              <a:defRPr sz="2600">
+                <a:solidFill>
+                  <a:srgbClr val="262626"/>
+                </a:solidFill>
+                <a:latin typeface="Gill Sans MT" panose="020B0502020104020203" pitchFamily="34" charset="0"/>
+              </a:defRPr>
+            </a:lvl2pPr>
+            <a:lvl3pPr algn="ctr" rtl="0" fontAlgn="base">
+              <a:lnSpc>
+                <a:spcPct val="90000"/>
+              </a:lnSpc>
+              <a:spcBef>
+                <a:spcPct val="0"/>
+              </a:spcBef>
+              <a:spcAft>
+                <a:spcPct val="0"/>
+              </a:spcAft>
+              <a:defRPr sz="2600">
+                <a:solidFill>
+                  <a:srgbClr val="262626"/>
+                </a:solidFill>
+                <a:latin typeface="Gill Sans MT" panose="020B0502020104020203" pitchFamily="34" charset="0"/>
+              </a:defRPr>
+            </a:lvl3pPr>
+            <a:lvl4pPr algn="ctr" rtl="0" fontAlgn="base">
+              <a:lnSpc>
+                <a:spcPct val="90000"/>
+              </a:lnSpc>
+              <a:spcBef>
+                <a:spcPct val="0"/>
+              </a:spcBef>
+              <a:spcAft>
+                <a:spcPct val="0"/>
+              </a:spcAft>
+              <a:defRPr sz="2600">
+                <a:solidFill>
+                  <a:srgbClr val="262626"/>
+                </a:solidFill>
+                <a:latin typeface="Gill Sans MT" panose="020B0502020104020203" pitchFamily="34" charset="0"/>
+              </a:defRPr>
+            </a:lvl4pPr>
+            <a:lvl5pPr algn="ctr" rtl="0" fontAlgn="base">
+              <a:lnSpc>
+                <a:spcPct val="90000"/>
+              </a:lnSpc>
+              <a:spcBef>
+                <a:spcPct val="0"/>
+              </a:spcBef>
+              <a:spcAft>
+                <a:spcPct val="0"/>
+              </a:spcAft>
+              <a:defRPr sz="2600">
+                <a:solidFill>
+                  <a:srgbClr val="262626"/>
+                </a:solidFill>
+                <a:latin typeface="Gill Sans MT" panose="020B0502020104020203" pitchFamily="34" charset="0"/>
+              </a:defRPr>
+            </a:lvl5pPr>
+            <a:lvl6pPr marL="457200" algn="ctr" rtl="0" fontAlgn="base">
+              <a:lnSpc>
+                <a:spcPct val="90000"/>
+              </a:lnSpc>
+              <a:spcBef>
+                <a:spcPct val="0"/>
+              </a:spcBef>
+              <a:spcAft>
+                <a:spcPct val="0"/>
+              </a:spcAft>
+              <a:defRPr sz="2600">
+                <a:solidFill>
+                  <a:srgbClr val="262626"/>
+                </a:solidFill>
+                <a:latin typeface="Gill Sans MT" panose="020B0502020104020203" pitchFamily="34" charset="0"/>
+              </a:defRPr>
+            </a:lvl6pPr>
+            <a:lvl7pPr marL="914400" algn="ctr" rtl="0" fontAlgn="base">
+              <a:lnSpc>
+                <a:spcPct val="90000"/>
+              </a:lnSpc>
+              <a:spcBef>
+                <a:spcPct val="0"/>
+              </a:spcBef>
+              <a:spcAft>
+                <a:spcPct val="0"/>
+              </a:spcAft>
+              <a:defRPr sz="2600">
+                <a:solidFill>
+                  <a:srgbClr val="262626"/>
+                </a:solidFill>
+                <a:latin typeface="Gill Sans MT" panose="020B0502020104020203" pitchFamily="34" charset="0"/>
+              </a:defRPr>
+            </a:lvl7pPr>
+            <a:lvl8pPr marL="1371600" algn="ctr" rtl="0" fontAlgn="base">
+              <a:lnSpc>
+                <a:spcPct val="90000"/>
+              </a:lnSpc>
+              <a:spcBef>
+                <a:spcPct val="0"/>
+              </a:spcBef>
+              <a:spcAft>
+                <a:spcPct val="0"/>
+              </a:spcAft>
+              <a:defRPr sz="2600">
+                <a:solidFill>
+                  <a:srgbClr val="262626"/>
+                </a:solidFill>
+                <a:latin typeface="Gill Sans MT" panose="020B0502020104020203" pitchFamily="34" charset="0"/>
+              </a:defRPr>
+            </a:lvl8pPr>
+            <a:lvl9pPr marL="1828800" algn="ctr" rtl="0" fontAlgn="base">
+              <a:lnSpc>
+                <a:spcPct val="90000"/>
+              </a:lnSpc>
+              <a:spcBef>
+                <a:spcPct val="0"/>
+              </a:spcBef>
+              <a:spcAft>
+                <a:spcPct val="0"/>
+              </a:spcAft>
+              <a:defRPr sz="2600">
+                <a:solidFill>
+                  <a:srgbClr val="262626"/>
+                </a:solidFill>
+                <a:latin typeface="Gill Sans MT" panose="020B0502020104020203" pitchFamily="34" charset="0"/>
+              </a:defRPr>
+            </a:lvl9pPr>
+          </a:lstStyle>
+          <a:p>
+            <a:pPr algn="l" eaLnBrk="1" hangingPunct="1"/>
+            <a:r>
+              <a:rPr lang="en-US" altLang="zh-CN" cap="none">
+                <a:latin typeface="Comic Sans MS" panose="030F0702030302020204" pitchFamily="66" charset="0"/>
+              </a:rPr>
+              <a:t>BeSS(Best Subset Selection) method</a:t>
+            </a:r>
+            <a:endParaRPr lang="en-US" altLang="zh-CN" cap="none" dirty="0">
+              <a:latin typeface="Comic Sans MS" panose="030F0702030302020204" pitchFamily="66" charset="0"/>
+              <a:ea typeface="宋体" panose="02010600030101010101" pitchFamily="2" charset="-122"/>
+            </a:endParaRPr>
+          </a:p>
+        </p:txBody>
+      </p:sp>
+      <p:sp>
+        <p:nvSpPr>
+          <p:cNvPr id="5" name="TextBox 4">
+            <a:extLst>
+              <a:ext uri="{FF2B5EF4-FFF2-40B4-BE49-F238E27FC236}">
+                <a16:creationId xmlns:a16="http://schemas.microsoft.com/office/drawing/2014/main" id="{A8DC63A0-B3E0-45E7-A411-4809343F5046}"/>
+              </a:ext>
+            </a:extLst>
+          </p:cNvPr>
+          <p:cNvSpPr txBox="1"/>
+          <p:nvPr/>
+        </p:nvSpPr>
+        <p:spPr>
+          <a:xfrm>
+            <a:off x="431540" y="1853838"/>
+            <a:ext cx="4140460" cy="369332"/>
+          </a:xfrm>
+          <a:prstGeom prst="rect">
+            <a:avLst/>
+          </a:prstGeom>
+          <a:noFill/>
+        </p:spPr>
+        <p:txBody>
+          <a:bodyPr wrap="square" rtlCol="0">
+            <a:spAutoFit/>
+          </a:bodyPr>
+          <a:lstStyle/>
+          <a:p>
+            <a:r>
+              <a:rPr lang="en-US" altLang="zh-CN" b="1" dirty="0"/>
+              <a:t>Try three variables</a:t>
+            </a:r>
+            <a:endParaRPr lang="zh-CN" altLang="en-US" b="1" dirty="0"/>
+          </a:p>
+        </p:txBody>
+      </p:sp>
+      <p:pic>
+        <p:nvPicPr>
+          <p:cNvPr id="3" name="Picture 2">
+            <a:extLst>
+              <a:ext uri="{FF2B5EF4-FFF2-40B4-BE49-F238E27FC236}">
+                <a16:creationId xmlns:a16="http://schemas.microsoft.com/office/drawing/2014/main" id="{DE3CAF72-D36B-4D54-9567-BF6B93EEE3F8}"/>
+              </a:ext>
+            </a:extLst>
+          </p:cNvPr>
+          <p:cNvPicPr>
+            <a:picLocks noChangeAspect="1"/>
+          </p:cNvPicPr>
+          <p:nvPr/>
+        </p:nvPicPr>
+        <p:blipFill>
+          <a:blip r:embed="rId2"/>
+          <a:stretch>
+            <a:fillRect/>
+          </a:stretch>
+        </p:blipFill>
+        <p:spPr>
+          <a:xfrm>
+            <a:off x="650052" y="2456892"/>
+            <a:ext cx="7843895" cy="2481281"/>
+          </a:xfrm>
+          <a:prstGeom prst="rect">
+            <a:avLst/>
+          </a:prstGeom>
+        </p:spPr>
+      </p:pic>
+    </p:spTree>
+    <p:extLst>
+      <p:ext uri="{BB962C8B-B14F-4D97-AF65-F5344CB8AC3E}">
+        <p14:creationId xmlns:p14="http://schemas.microsoft.com/office/powerpoint/2010/main" val="513329061"/>
+      </p:ext>
+    </p:extLst>
+  </p:cSld>
+  <p:clrMapOvr>
+    <a:masterClrMapping/>
+  </p:clrMapOvr>
+</p:sld>
+</file>
+
+<file path=ppt/slides/slide35.xml><?xml version="1.0" encoding="utf-8"?>
 <p:sld xmlns:a="http://schemas.openxmlformats.org/drawingml/2006/main" xmlns:r="http://schemas.openxmlformats.org/officeDocument/2006/relationships" xmlns:p="http://schemas.openxmlformats.org/presentationml/2006/main">
   <p:cSld>
     <p:spTree>
@@ -28841,7 +30354,7 @@
         </p:nvGraphicFramePr>
         <p:xfrm>
           <a:off x="4824413" y="2960688"/>
-          <a:ext cx="4195762" cy="2374900"/>
+          <a:ext cx="4195762" cy="2374902"/>
         </p:xfrm>
         <a:graphic>
           <a:graphicData uri="http://schemas.openxmlformats.org/drawingml/2006/table">
